--- a/docs/Drawings.pptx
+++ b/docs/Drawings.pptx
@@ -7,6 +7,7 @@
   <p:sldIdLst>
     <p:sldId id="256" r:id="rId2"/>
     <p:sldId id="257" r:id="rId3"/>
+    <p:sldId id="258" r:id="rId4"/>
   </p:sldIdLst>
   <p:sldSz cx="7199313" cy="3959225"/>
   <p:notesSz cx="6858000" cy="9144000"/>
@@ -244,7 +245,7 @@
           <a:p>
             <a:fld id="{6FA4DDC4-F253-437D-8628-AF0896BE6F4E}" type="datetimeFigureOut">
               <a:rPr lang="en-GB" smtClean="0"/>
-              <a:t>30/09/2025</a:t>
+              <a:t>02/10/2025</a:t>
             </a:fld>
             <a:endParaRPr lang="en-GB"/>
           </a:p>
@@ -414,7 +415,7 @@
           <a:p>
             <a:fld id="{6FA4DDC4-F253-437D-8628-AF0896BE6F4E}" type="datetimeFigureOut">
               <a:rPr lang="en-GB" smtClean="0"/>
-              <a:t>30/09/2025</a:t>
+              <a:t>02/10/2025</a:t>
             </a:fld>
             <a:endParaRPr lang="en-GB"/>
           </a:p>
@@ -594,7 +595,7 @@
           <a:p>
             <a:fld id="{6FA4DDC4-F253-437D-8628-AF0896BE6F4E}" type="datetimeFigureOut">
               <a:rPr lang="en-GB" smtClean="0"/>
-              <a:t>30/09/2025</a:t>
+              <a:t>02/10/2025</a:t>
             </a:fld>
             <a:endParaRPr lang="en-GB"/>
           </a:p>
@@ -764,7 +765,7 @@
           <a:p>
             <a:fld id="{6FA4DDC4-F253-437D-8628-AF0896BE6F4E}" type="datetimeFigureOut">
               <a:rPr lang="en-GB" smtClean="0"/>
-              <a:t>30/09/2025</a:t>
+              <a:t>02/10/2025</a:t>
             </a:fld>
             <a:endParaRPr lang="en-GB"/>
           </a:p>
@@ -1010,7 +1011,7 @@
           <a:p>
             <a:fld id="{6FA4DDC4-F253-437D-8628-AF0896BE6F4E}" type="datetimeFigureOut">
               <a:rPr lang="en-GB" smtClean="0"/>
-              <a:t>30/09/2025</a:t>
+              <a:t>02/10/2025</a:t>
             </a:fld>
             <a:endParaRPr lang="en-GB"/>
           </a:p>
@@ -1242,7 +1243,7 @@
           <a:p>
             <a:fld id="{6FA4DDC4-F253-437D-8628-AF0896BE6F4E}" type="datetimeFigureOut">
               <a:rPr lang="en-GB" smtClean="0"/>
-              <a:t>30/09/2025</a:t>
+              <a:t>02/10/2025</a:t>
             </a:fld>
             <a:endParaRPr lang="en-GB"/>
           </a:p>
@@ -1609,7 +1610,7 @@
           <a:p>
             <a:fld id="{6FA4DDC4-F253-437D-8628-AF0896BE6F4E}" type="datetimeFigureOut">
               <a:rPr lang="en-GB" smtClean="0"/>
-              <a:t>30/09/2025</a:t>
+              <a:t>02/10/2025</a:t>
             </a:fld>
             <a:endParaRPr lang="en-GB"/>
           </a:p>
@@ -1727,7 +1728,7 @@
           <a:p>
             <a:fld id="{6FA4DDC4-F253-437D-8628-AF0896BE6F4E}" type="datetimeFigureOut">
               <a:rPr lang="en-GB" smtClean="0"/>
-              <a:t>30/09/2025</a:t>
+              <a:t>02/10/2025</a:t>
             </a:fld>
             <a:endParaRPr lang="en-GB"/>
           </a:p>
@@ -1822,7 +1823,7 @@
           <a:p>
             <a:fld id="{6FA4DDC4-F253-437D-8628-AF0896BE6F4E}" type="datetimeFigureOut">
               <a:rPr lang="en-GB" smtClean="0"/>
-              <a:t>30/09/2025</a:t>
+              <a:t>02/10/2025</a:t>
             </a:fld>
             <a:endParaRPr lang="en-GB"/>
           </a:p>
@@ -2099,7 +2100,7 @@
           <a:p>
             <a:fld id="{6FA4DDC4-F253-437D-8628-AF0896BE6F4E}" type="datetimeFigureOut">
               <a:rPr lang="en-GB" smtClean="0"/>
-              <a:t>30/09/2025</a:t>
+              <a:t>02/10/2025</a:t>
             </a:fld>
             <a:endParaRPr lang="en-GB"/>
           </a:p>
@@ -2356,7 +2357,7 @@
           <a:p>
             <a:fld id="{6FA4DDC4-F253-437D-8628-AF0896BE6F4E}" type="datetimeFigureOut">
               <a:rPr lang="en-GB" smtClean="0"/>
-              <a:t>30/09/2025</a:t>
+              <a:t>02/10/2025</a:t>
             </a:fld>
             <a:endParaRPr lang="en-GB"/>
           </a:p>
@@ -2569,7 +2570,7 @@
           <a:p>
             <a:fld id="{6FA4DDC4-F253-437D-8628-AF0896BE6F4E}" type="datetimeFigureOut">
               <a:rPr lang="en-GB" smtClean="0"/>
-              <a:t>30/09/2025</a:t>
+              <a:t>02/10/2025</a:t>
             </a:fld>
             <a:endParaRPr lang="en-GB"/>
           </a:p>
@@ -4111,6 +4112,582 @@
 </p:sld>
 </file>
 
+<file path=ppt/slides/slide3.xml><?xml version="1.0" encoding="utf-8"?>
+<p:sld xmlns:a="http://schemas.openxmlformats.org/drawingml/2006/main" xmlns:r="http://schemas.openxmlformats.org/officeDocument/2006/relationships" xmlns:p="http://schemas.openxmlformats.org/presentationml/2006/main">
+  <p:cSld>
+    <p:spTree>
+      <p:nvGrpSpPr>
+        <p:cNvPr id="1" name=""/>
+        <p:cNvGrpSpPr/>
+        <p:nvPr/>
+      </p:nvGrpSpPr>
+      <p:grpSpPr>
+        <a:xfrm>
+          <a:off x="0" y="0"/>
+          <a:ext cx="0" cy="0"/>
+          <a:chOff x="0" y="0"/>
+          <a:chExt cx="0" cy="0"/>
+        </a:xfrm>
+      </p:grpSpPr>
+      <p:sp>
+        <p:nvSpPr>
+          <p:cNvPr id="4" name="Rectangle 3">
+            <a:extLst>
+              <a:ext uri="{FF2B5EF4-FFF2-40B4-BE49-F238E27FC236}">
+                <a16:creationId xmlns:a16="http://schemas.microsoft.com/office/drawing/2014/main" id="{931401C1-50DD-5427-4AF8-A8E85EED7B47}"/>
+              </a:ext>
+            </a:extLst>
+          </p:cNvPr>
+          <p:cNvSpPr/>
+          <p:nvPr/>
+        </p:nvSpPr>
+        <p:spPr>
+          <a:xfrm flipH="1">
+            <a:off x="3501425" y="462915"/>
+            <a:ext cx="61418" cy="2143126"/>
+          </a:xfrm>
+          <a:prstGeom prst="rect">
+            <a:avLst/>
+          </a:prstGeom>
+          <a:pattFill prst="wdUpDiag">
+            <a:fgClr>
+              <a:srgbClr val="00B050"/>
+            </a:fgClr>
+            <a:bgClr>
+              <a:schemeClr val="bg1"/>
+            </a:bgClr>
+          </a:pattFill>
+        </p:spPr>
+        <p:style>
+          <a:lnRef idx="2">
+            <a:schemeClr val="accent1">
+              <a:shade val="50000"/>
+            </a:schemeClr>
+          </a:lnRef>
+          <a:fillRef idx="1">
+            <a:schemeClr val="accent1"/>
+          </a:fillRef>
+          <a:effectRef idx="0">
+            <a:schemeClr val="accent1"/>
+          </a:effectRef>
+          <a:fontRef idx="minor">
+            <a:schemeClr val="lt1"/>
+          </a:fontRef>
+        </p:style>
+        <p:txBody>
+          <a:bodyPr rtlCol="0" anchor="ctr"/>
+          <a:lstStyle/>
+          <a:p>
+            <a:pPr algn="ctr"/>
+            <a:endParaRPr lang="en-GB" sz="1350"/>
+          </a:p>
+        </p:txBody>
+      </p:sp>
+      <p:sp>
+        <p:nvSpPr>
+          <p:cNvPr id="5" name="TextBox 4">
+            <a:extLst>
+              <a:ext uri="{FF2B5EF4-FFF2-40B4-BE49-F238E27FC236}">
+                <a16:creationId xmlns:a16="http://schemas.microsoft.com/office/drawing/2014/main" id="{7144DE2D-7FEC-98E5-1A2D-BF3AC18C0FA5}"/>
+              </a:ext>
+            </a:extLst>
+          </p:cNvPr>
+          <p:cNvSpPr txBox="1"/>
+          <p:nvPr/>
+        </p:nvSpPr>
+        <p:spPr>
+          <a:xfrm>
+            <a:off x="1385437" y="337059"/>
+            <a:ext cx="1659947" cy="307777"/>
+          </a:xfrm>
+          <a:prstGeom prst="rect">
+            <a:avLst/>
+          </a:prstGeom>
+          <a:noFill/>
+        </p:spPr>
+        <p:txBody>
+          <a:bodyPr wrap="square" rtlCol="0">
+            <a:spAutoFit/>
+          </a:bodyPr>
+          <a:lstStyle/>
+          <a:p>
+            <a:r>
+              <a:rPr lang="en-GB" sz="1400" dirty="0"/>
+              <a:t>PAM-1 environment</a:t>
+            </a:r>
+          </a:p>
+        </p:txBody>
+      </p:sp>
+      <p:sp>
+        <p:nvSpPr>
+          <p:cNvPr id="6" name="TextBox 5">
+            <a:extLst>
+              <a:ext uri="{FF2B5EF4-FFF2-40B4-BE49-F238E27FC236}">
+                <a16:creationId xmlns:a16="http://schemas.microsoft.com/office/drawing/2014/main" id="{C00CA2E9-CD86-DF36-8311-5B633E92274F}"/>
+              </a:ext>
+            </a:extLst>
+          </p:cNvPr>
+          <p:cNvSpPr txBox="1"/>
+          <p:nvPr/>
+        </p:nvSpPr>
+        <p:spPr>
+          <a:xfrm>
+            <a:off x="3731698" y="364401"/>
+            <a:ext cx="1659947" cy="307777"/>
+          </a:xfrm>
+          <a:prstGeom prst="rect">
+            <a:avLst/>
+          </a:prstGeom>
+          <a:noFill/>
+        </p:spPr>
+        <p:txBody>
+          <a:bodyPr wrap="square" rtlCol="0">
+            <a:spAutoFit/>
+          </a:bodyPr>
+          <a:lstStyle/>
+          <a:p>
+            <a:r>
+              <a:rPr lang="en-GB" sz="1400" dirty="0"/>
+              <a:t>PAM-2 environment</a:t>
+            </a:r>
+          </a:p>
+        </p:txBody>
+      </p:sp>
+      <p:sp>
+        <p:nvSpPr>
+          <p:cNvPr id="7" name="Rectangle: Rounded Corners 6">
+            <a:extLst>
+              <a:ext uri="{FF2B5EF4-FFF2-40B4-BE49-F238E27FC236}">
+                <a16:creationId xmlns:a16="http://schemas.microsoft.com/office/drawing/2014/main" id="{DD3DC849-5383-A750-16D8-79F998598194}"/>
+              </a:ext>
+            </a:extLst>
+          </p:cNvPr>
+          <p:cNvSpPr/>
+          <p:nvPr/>
+        </p:nvSpPr>
+        <p:spPr>
+          <a:xfrm>
+            <a:off x="1385437" y="863100"/>
+            <a:ext cx="1429675" cy="998042"/>
+          </a:xfrm>
+          <a:prstGeom prst="roundRect">
+            <a:avLst/>
+          </a:prstGeom>
+        </p:spPr>
+        <p:style>
+          <a:lnRef idx="2">
+            <a:schemeClr val="accent6"/>
+          </a:lnRef>
+          <a:fillRef idx="1">
+            <a:schemeClr val="lt1"/>
+          </a:fillRef>
+          <a:effectRef idx="0">
+            <a:schemeClr val="accent6"/>
+          </a:effectRef>
+          <a:fontRef idx="minor">
+            <a:schemeClr val="dk1"/>
+          </a:fontRef>
+        </p:style>
+        <p:txBody>
+          <a:bodyPr rtlCol="0" anchor="t"/>
+          <a:lstStyle/>
+          <a:p>
+            <a:endParaRPr lang="en-GB" sz="1350" dirty="0"/>
+          </a:p>
+        </p:txBody>
+      </p:sp>
+      <p:sp>
+        <p:nvSpPr>
+          <p:cNvPr id="8" name="Rectangle 7">
+            <a:extLst>
+              <a:ext uri="{FF2B5EF4-FFF2-40B4-BE49-F238E27FC236}">
+                <a16:creationId xmlns:a16="http://schemas.microsoft.com/office/drawing/2014/main" id="{0A333045-6082-0CE9-C95F-79FA41304EAC}"/>
+              </a:ext>
+            </a:extLst>
+          </p:cNvPr>
+          <p:cNvSpPr/>
+          <p:nvPr/>
+        </p:nvSpPr>
+        <p:spPr>
+          <a:xfrm>
+            <a:off x="1808569" y="1183269"/>
+            <a:ext cx="522143" cy="276999"/>
+          </a:xfrm>
+          <a:prstGeom prst="rect">
+            <a:avLst/>
+          </a:prstGeom>
+        </p:spPr>
+        <p:style>
+          <a:lnRef idx="2">
+            <a:schemeClr val="accent1">
+              <a:shade val="50000"/>
+            </a:schemeClr>
+          </a:lnRef>
+          <a:fillRef idx="1">
+            <a:schemeClr val="accent1"/>
+          </a:fillRef>
+          <a:effectRef idx="0">
+            <a:schemeClr val="accent1"/>
+          </a:effectRef>
+          <a:fontRef idx="minor">
+            <a:schemeClr val="lt1"/>
+          </a:fontRef>
+        </p:style>
+        <p:txBody>
+          <a:bodyPr rtlCol="0" anchor="ctr"/>
+          <a:lstStyle/>
+          <a:p>
+            <a:pPr algn="ctr"/>
+            <a:r>
+              <a:rPr lang="en-GB" sz="1350" dirty="0"/>
+              <a:t>PAM</a:t>
+            </a:r>
+          </a:p>
+        </p:txBody>
+      </p:sp>
+      <p:sp>
+        <p:nvSpPr>
+          <p:cNvPr id="9" name="Rectangle: Rounded Corners 8">
+            <a:extLst>
+              <a:ext uri="{FF2B5EF4-FFF2-40B4-BE49-F238E27FC236}">
+                <a16:creationId xmlns:a16="http://schemas.microsoft.com/office/drawing/2014/main" id="{3B7CE18A-B708-26FF-6446-51BA7B7E37C9}"/>
+              </a:ext>
+            </a:extLst>
+          </p:cNvPr>
+          <p:cNvSpPr/>
+          <p:nvPr/>
+        </p:nvSpPr>
+        <p:spPr>
+          <a:xfrm>
+            <a:off x="3933498" y="866037"/>
+            <a:ext cx="1388569" cy="995105"/>
+          </a:xfrm>
+          <a:prstGeom prst="roundRect">
+            <a:avLst/>
+          </a:prstGeom>
+        </p:spPr>
+        <p:style>
+          <a:lnRef idx="2">
+            <a:schemeClr val="accent6"/>
+          </a:lnRef>
+          <a:fillRef idx="1">
+            <a:schemeClr val="lt1"/>
+          </a:fillRef>
+          <a:effectRef idx="0">
+            <a:schemeClr val="accent6"/>
+          </a:effectRef>
+          <a:fontRef idx="minor">
+            <a:schemeClr val="dk1"/>
+          </a:fontRef>
+        </p:style>
+        <p:txBody>
+          <a:bodyPr rtlCol="0" anchor="t"/>
+          <a:lstStyle/>
+          <a:p>
+            <a:endParaRPr lang="en-GB" sz="1350" dirty="0"/>
+          </a:p>
+        </p:txBody>
+      </p:sp>
+      <p:sp>
+        <p:nvSpPr>
+          <p:cNvPr id="10" name="Rectangle 9">
+            <a:extLst>
+              <a:ext uri="{FF2B5EF4-FFF2-40B4-BE49-F238E27FC236}">
+                <a16:creationId xmlns:a16="http://schemas.microsoft.com/office/drawing/2014/main" id="{B336E963-B479-A4EC-3413-7F7382F914B1}"/>
+              </a:ext>
+            </a:extLst>
+          </p:cNvPr>
+          <p:cNvSpPr/>
+          <p:nvPr/>
+        </p:nvSpPr>
+        <p:spPr>
+          <a:xfrm>
+            <a:off x="4296834" y="1183269"/>
+            <a:ext cx="522143" cy="276999"/>
+          </a:xfrm>
+          <a:prstGeom prst="rect">
+            <a:avLst/>
+          </a:prstGeom>
+        </p:spPr>
+        <p:style>
+          <a:lnRef idx="2">
+            <a:schemeClr val="accent1">
+              <a:shade val="50000"/>
+            </a:schemeClr>
+          </a:lnRef>
+          <a:fillRef idx="1">
+            <a:schemeClr val="accent1"/>
+          </a:fillRef>
+          <a:effectRef idx="0">
+            <a:schemeClr val="accent1"/>
+          </a:effectRef>
+          <a:fontRef idx="minor">
+            <a:schemeClr val="lt1"/>
+          </a:fontRef>
+        </p:style>
+        <p:txBody>
+          <a:bodyPr rtlCol="0" anchor="ctr"/>
+          <a:lstStyle/>
+          <a:p>
+            <a:pPr algn="ctr"/>
+            <a:r>
+              <a:rPr lang="en-GB" sz="1350" dirty="0"/>
+              <a:t>PAM</a:t>
+            </a:r>
+          </a:p>
+        </p:txBody>
+      </p:sp>
+      <p:pic>
+        <p:nvPicPr>
+          <p:cNvPr id="25" name="Picture 24">
+            <a:extLst>
+              <a:ext uri="{FF2B5EF4-FFF2-40B4-BE49-F238E27FC236}">
+                <a16:creationId xmlns:a16="http://schemas.microsoft.com/office/drawing/2014/main" id="{1925C0C6-659F-5C8C-9462-78A034751D12}"/>
+              </a:ext>
+            </a:extLst>
+          </p:cNvPr>
+          <p:cNvPicPr>
+            <a:picLocks noChangeAspect="1"/>
+          </p:cNvPicPr>
+          <p:nvPr/>
+        </p:nvPicPr>
+        <p:blipFill>
+          <a:blip r:embed="rId2"/>
+          <a:stretch>
+            <a:fillRect/>
+          </a:stretch>
+        </p:blipFill>
+        <p:spPr>
+          <a:xfrm>
+            <a:off x="2999342" y="2055001"/>
+            <a:ext cx="1067525" cy="908839"/>
+          </a:xfrm>
+          <a:prstGeom prst="rect">
+            <a:avLst/>
+          </a:prstGeom>
+        </p:spPr>
+      </p:pic>
+      <p:cxnSp>
+        <p:nvCxnSpPr>
+          <p:cNvPr id="12" name="Straight Arrow Connector 11">
+            <a:extLst>
+              <a:ext uri="{FF2B5EF4-FFF2-40B4-BE49-F238E27FC236}">
+                <a16:creationId xmlns:a16="http://schemas.microsoft.com/office/drawing/2014/main" id="{D2D0EE53-0A5B-DD2D-F4AB-5B6F025C32FA}"/>
+              </a:ext>
+            </a:extLst>
+          </p:cNvPr>
+          <p:cNvCxnSpPr>
+            <a:cxnSpLocks/>
+            <a:stCxn id="8" idx="2"/>
+          </p:cNvCxnSpPr>
+          <p:nvPr/>
+        </p:nvCxnSpPr>
+        <p:spPr>
+          <a:xfrm>
+            <a:off x="2069641" y="1460268"/>
+            <a:ext cx="1108807" cy="922887"/>
+          </a:xfrm>
+          <a:prstGeom prst="straightConnector1">
+            <a:avLst/>
+          </a:prstGeom>
+          <a:ln w="25400">
+            <a:tailEnd type="stealth"/>
+          </a:ln>
+        </p:spPr>
+        <p:style>
+          <a:lnRef idx="1">
+            <a:schemeClr val="accent1"/>
+          </a:lnRef>
+          <a:fillRef idx="0">
+            <a:schemeClr val="accent1"/>
+          </a:fillRef>
+          <a:effectRef idx="0">
+            <a:schemeClr val="accent1"/>
+          </a:effectRef>
+          <a:fontRef idx="minor">
+            <a:schemeClr val="tx1"/>
+          </a:fontRef>
+        </p:style>
+      </p:cxnSp>
+      <p:cxnSp>
+        <p:nvCxnSpPr>
+          <p:cNvPr id="13" name="Straight Arrow Connector 12">
+            <a:extLst>
+              <a:ext uri="{FF2B5EF4-FFF2-40B4-BE49-F238E27FC236}">
+                <a16:creationId xmlns:a16="http://schemas.microsoft.com/office/drawing/2014/main" id="{7AC96BF7-8A47-9439-95E7-F8672BA516F2}"/>
+              </a:ext>
+            </a:extLst>
+          </p:cNvPr>
+          <p:cNvCxnSpPr>
+            <a:cxnSpLocks/>
+            <a:endCxn id="10" idx="2"/>
+          </p:cNvCxnSpPr>
+          <p:nvPr/>
+        </p:nvCxnSpPr>
+        <p:spPr>
+          <a:xfrm flipV="1">
+            <a:off x="3838264" y="1460268"/>
+            <a:ext cx="719642" cy="871452"/>
+          </a:xfrm>
+          <a:prstGeom prst="straightConnector1">
+            <a:avLst/>
+          </a:prstGeom>
+          <a:ln w="25400">
+            <a:tailEnd type="stealth"/>
+          </a:ln>
+        </p:spPr>
+        <p:style>
+          <a:lnRef idx="1">
+            <a:schemeClr val="accent1"/>
+          </a:lnRef>
+          <a:fillRef idx="0">
+            <a:schemeClr val="accent1"/>
+          </a:fillRef>
+          <a:effectRef idx="0">
+            <a:schemeClr val="accent1"/>
+          </a:effectRef>
+          <a:fontRef idx="minor">
+            <a:schemeClr val="tx1"/>
+          </a:fontRef>
+        </p:style>
+      </p:cxnSp>
+      <p:sp>
+        <p:nvSpPr>
+          <p:cNvPr id="28" name="Rectangle 27">
+            <a:extLst>
+              <a:ext uri="{FF2B5EF4-FFF2-40B4-BE49-F238E27FC236}">
+                <a16:creationId xmlns:a16="http://schemas.microsoft.com/office/drawing/2014/main" id="{B60F379F-59E0-87CC-79C7-901111234843}"/>
+              </a:ext>
+            </a:extLst>
+          </p:cNvPr>
+          <p:cNvSpPr/>
+          <p:nvPr/>
+        </p:nvSpPr>
+        <p:spPr>
+          <a:xfrm>
+            <a:off x="1552181" y="1486915"/>
+            <a:ext cx="791410" cy="347579"/>
+          </a:xfrm>
+          <a:prstGeom prst="rect">
+            <a:avLst/>
+          </a:prstGeom>
+          <a:noFill/>
+          <a:ln>
+            <a:noFill/>
+          </a:ln>
+        </p:spPr>
+        <p:style>
+          <a:lnRef idx="2">
+            <a:schemeClr val="accent1">
+              <a:shade val="15000"/>
+            </a:schemeClr>
+          </a:lnRef>
+          <a:fillRef idx="1">
+            <a:schemeClr val="accent1"/>
+          </a:fillRef>
+          <a:effectRef idx="0">
+            <a:schemeClr val="accent1"/>
+          </a:effectRef>
+          <a:fontRef idx="minor">
+            <a:schemeClr val="lt1"/>
+          </a:fontRef>
+        </p:style>
+        <p:txBody>
+          <a:bodyPr rtlCol="0" anchor="ctr"/>
+          <a:lstStyle/>
+          <a:p>
+            <a:pPr algn="ctr"/>
+            <a:r>
+              <a:rPr lang="en-DK" sz="1000" dirty="0">
+                <a:solidFill>
+                  <a:schemeClr val="tx1"/>
+                </a:solidFill>
+              </a:rPr>
+              <a:t>target account</a:t>
+            </a:r>
+            <a:endParaRPr lang="da-DK" sz="1000" dirty="0">
+              <a:solidFill>
+                <a:schemeClr val="tx1"/>
+              </a:solidFill>
+            </a:endParaRPr>
+          </a:p>
+        </p:txBody>
+      </p:sp>
+      <p:sp>
+        <p:nvSpPr>
+          <p:cNvPr id="29" name="Rectangle 28">
+            <a:extLst>
+              <a:ext uri="{FF2B5EF4-FFF2-40B4-BE49-F238E27FC236}">
+                <a16:creationId xmlns:a16="http://schemas.microsoft.com/office/drawing/2014/main" id="{853041BE-909C-1368-8931-159FF6EFA1BA}"/>
+              </a:ext>
+            </a:extLst>
+          </p:cNvPr>
+          <p:cNvSpPr/>
+          <p:nvPr/>
+        </p:nvSpPr>
+        <p:spPr>
+          <a:xfrm>
+            <a:off x="4421453" y="1540210"/>
+            <a:ext cx="791410" cy="347579"/>
+          </a:xfrm>
+          <a:prstGeom prst="rect">
+            <a:avLst/>
+          </a:prstGeom>
+          <a:noFill/>
+          <a:ln>
+            <a:noFill/>
+          </a:ln>
+        </p:spPr>
+        <p:style>
+          <a:lnRef idx="2">
+            <a:schemeClr val="accent1">
+              <a:shade val="15000"/>
+            </a:schemeClr>
+          </a:lnRef>
+          <a:fillRef idx="1">
+            <a:schemeClr val="accent1"/>
+          </a:fillRef>
+          <a:effectRef idx="0">
+            <a:schemeClr val="accent1"/>
+          </a:effectRef>
+          <a:fontRef idx="minor">
+            <a:schemeClr val="lt1"/>
+          </a:fontRef>
+        </p:style>
+        <p:txBody>
+          <a:bodyPr rtlCol="0" anchor="ctr"/>
+          <a:lstStyle/>
+          <a:p>
+            <a:pPr algn="ctr"/>
+            <a:r>
+              <a:rPr lang="en-DK" sz="1000" dirty="0">
+                <a:solidFill>
+                  <a:schemeClr val="tx1"/>
+                </a:solidFill>
+              </a:rPr>
+              <a:t>Login User</a:t>
+            </a:r>
+            <a:endParaRPr lang="da-DK" sz="1000" dirty="0">
+              <a:solidFill>
+                <a:schemeClr val="tx1"/>
+              </a:solidFill>
+            </a:endParaRPr>
+          </a:p>
+        </p:txBody>
+      </p:sp>
+    </p:spTree>
+    <p:extLst>
+      <p:ext uri="{BB962C8B-B14F-4D97-AF65-F5344CB8AC3E}">
+        <p14:creationId xmlns:p14="http://schemas.microsoft.com/office/powerpoint/2010/main" val="3806628460"/>
+      </p:ext>
+    </p:extLst>
+  </p:cSld>
+  <p:clrMapOvr>
+    <a:masterClrMapping/>
+  </p:clrMapOvr>
+</p:sld>
+</file>
+
 <file path=ppt/theme/theme1.xml><?xml version="1.0" encoding="utf-8"?>
 <a:theme xmlns:a="http://schemas.openxmlformats.org/drawingml/2006/main" name="Office Theme">
   <a:themeElements>
